--- a/TeamH/teamH_presentation_221020.pptx
+++ b/TeamH/teamH_presentation_221020.pptx
@@ -5,7 +5,7 @@
     <p:sldMasterId id="2147483648" r:id="rId1"/>
   </p:sldMasterIdLst>
   <p:notesMasterIdLst>
-    <p:notesMasterId r:id="rId9"/>
+    <p:notesMasterId r:id="rId10"/>
   </p:notesMasterIdLst>
   <p:sldIdLst>
     <p:sldId id="256" r:id="rId2"/>
@@ -14,7 +14,8 @@
     <p:sldId id="314" r:id="rId5"/>
     <p:sldId id="315" r:id="rId6"/>
     <p:sldId id="317" r:id="rId7"/>
-    <p:sldId id="277" r:id="rId8"/>
+    <p:sldId id="310" r:id="rId8"/>
+    <p:sldId id="277" r:id="rId9"/>
   </p:sldIdLst>
   <p:sldSz cx="12192000" cy="6858000"/>
   <p:notesSz cx="6858000" cy="9144000"/>
@@ -1778,6 +1779,90 @@
           <a:bodyPr/>
           <a:lstStyle/>
           <a:p>
+            <a:endParaRPr lang="en-US" altLang="ko-KR" dirty="0"/>
+          </a:p>
+        </p:txBody>
+      </p:sp>
+      <p:sp>
+        <p:nvSpPr>
+          <p:cNvPr id="4" name="슬라이드 번호 개체 틀 3"/>
+          <p:cNvSpPr>
+            <a:spLocks noGrp="1"/>
+          </p:cNvSpPr>
+          <p:nvPr>
+            <p:ph type="sldNum" sz="quarter" idx="5"/>
+          </p:nvPr>
+        </p:nvSpPr>
+        <p:spPr/>
+        <p:txBody>
+          <a:bodyPr/>
+          <a:lstStyle/>
+          <a:p>
+            <a:fld id="{6B79B4CE-2781-4328-A407-40DC5DC31C8C}" type="slidenum">
+              <a:rPr lang="ko-KR" altLang="en-US" smtClean="0"/>
+              <a:t>7</a:t>
+            </a:fld>
+            <a:endParaRPr lang="ko-KR" altLang="en-US"/>
+          </a:p>
+        </p:txBody>
+      </p:sp>
+    </p:spTree>
+    <p:extLst>
+      <p:ext uri="{BB962C8B-B14F-4D97-AF65-F5344CB8AC3E}">
+        <p14:creationId xmlns:p14="http://schemas.microsoft.com/office/powerpoint/2010/main" val="707275282"/>
+      </p:ext>
+    </p:extLst>
+  </p:cSld>
+  <p:clrMapOvr>
+    <a:masterClrMapping/>
+  </p:clrMapOvr>
+</p:notes>
+</file>
+
+<file path=ppt/notesSlides/notesSlide8.xml><?xml version="1.0" encoding="utf-8"?>
+<p:notes xmlns:a="http://schemas.openxmlformats.org/drawingml/2006/main" xmlns:r="http://schemas.openxmlformats.org/officeDocument/2006/relationships" xmlns:p="http://schemas.openxmlformats.org/presentationml/2006/main">
+  <p:cSld>
+    <p:spTree>
+      <p:nvGrpSpPr>
+        <p:cNvPr id="1" name=""/>
+        <p:cNvGrpSpPr/>
+        <p:nvPr/>
+      </p:nvGrpSpPr>
+      <p:grpSpPr>
+        <a:xfrm>
+          <a:off x="0" y="0"/>
+          <a:ext cx="0" cy="0"/>
+          <a:chOff x="0" y="0"/>
+          <a:chExt cx="0" cy="0"/>
+        </a:xfrm>
+      </p:grpSpPr>
+      <p:sp>
+        <p:nvSpPr>
+          <p:cNvPr id="2" name="슬라이드 이미지 개체 틀 1"/>
+          <p:cNvSpPr>
+            <a:spLocks noGrp="1" noRot="1" noChangeAspect="1"/>
+          </p:cNvSpPr>
+          <p:nvPr>
+            <p:ph type="sldImg"/>
+          </p:nvPr>
+        </p:nvSpPr>
+        <p:spPr/>
+      </p:sp>
+      <p:sp>
+        <p:nvSpPr>
+          <p:cNvPr id="3" name="슬라이드 노트 개체 틀 2"/>
+          <p:cNvSpPr>
+            <a:spLocks noGrp="1"/>
+          </p:cNvSpPr>
+          <p:nvPr>
+            <p:ph type="body" idx="1"/>
+          </p:nvPr>
+        </p:nvSpPr>
+        <p:spPr/>
+        <p:txBody>
+          <a:bodyPr/>
+          <a:lstStyle/>
+          <a:p>
             <a:pPr algn="just" latinLnBrk="1">
               <a:lnSpc>
                 <a:spcPct val="107000"/>
@@ -1851,7 +1936,7 @@
           <a:p>
             <a:fld id="{6B79B4CE-2781-4328-A407-40DC5DC31C8C}" type="slidenum">
               <a:rPr lang="ko-KR" altLang="en-US" smtClean="0"/>
-              <a:t>7</a:t>
+              <a:t>8</a:t>
             </a:fld>
             <a:endParaRPr lang="ko-KR" altLang="en-US"/>
           </a:p>
@@ -7106,6 +7191,555 @@
 </file>
 
 <file path=ppt/slides/slide7.xml><?xml version="1.0" encoding="utf-8"?>
+<p:sld xmlns:a="http://schemas.openxmlformats.org/drawingml/2006/main" xmlns:r="http://schemas.openxmlformats.org/officeDocument/2006/relationships" xmlns:p="http://schemas.openxmlformats.org/presentationml/2006/main">
+  <p:cSld>
+    <p:spTree>
+      <p:nvGrpSpPr>
+        <p:cNvPr id="1" name=""/>
+        <p:cNvGrpSpPr/>
+        <p:nvPr/>
+      </p:nvGrpSpPr>
+      <p:grpSpPr>
+        <a:xfrm>
+          <a:off x="0" y="0"/>
+          <a:ext cx="0" cy="0"/>
+          <a:chOff x="0" y="0"/>
+          <a:chExt cx="0" cy="0"/>
+        </a:xfrm>
+      </p:grpSpPr>
+      <p:pic>
+        <p:nvPicPr>
+          <p:cNvPr id="22" name="그래픽 21" descr="유기적 모서리 셰이프">
+            <a:extLst>
+              <a:ext uri="{FF2B5EF4-FFF2-40B4-BE49-F238E27FC236}">
+                <a16:creationId xmlns:a16="http://schemas.microsoft.com/office/drawing/2014/main" id="{5169036B-06CA-4AE6-833F-71C16A0B09F7}"/>
+              </a:ext>
+            </a:extLst>
+          </p:cNvPr>
+          <p:cNvPicPr>
+            <a:picLocks noChangeAspect="1"/>
+          </p:cNvPicPr>
+          <p:nvPr/>
+        </p:nvPicPr>
+        <p:blipFill>
+          <a:blip r:embed="rId3">
+            <a:extLst>
+              <a:ext uri="{28A0092B-C50C-407E-A947-70E740481C1C}">
+                <a14:useLocalDpi xmlns:a14="http://schemas.microsoft.com/office/drawing/2010/main" val="0"/>
+              </a:ext>
+              <a:ext uri="{96DAC541-7B7A-43D3-8B79-37D633B846F1}">
+                <asvg:svgBlip xmlns:asvg="http://schemas.microsoft.com/office/drawing/2016/SVG/main" r:embed="rId4"/>
+              </a:ext>
+            </a:extLst>
+          </a:blip>
+          <a:stretch>
+            <a:fillRect/>
+          </a:stretch>
+        </p:blipFill>
+        <p:spPr>
+          <a:xfrm>
+            <a:off x="-2" y="-6143"/>
+            <a:ext cx="7404848" cy="4572000"/>
+          </a:xfrm>
+          <a:prstGeom prst="rect">
+            <a:avLst/>
+          </a:prstGeom>
+        </p:spPr>
+      </p:pic>
+      <p:sp>
+        <p:nvSpPr>
+          <p:cNvPr id="7" name="TextBox 6">
+            <a:extLst>
+              <a:ext uri="{FF2B5EF4-FFF2-40B4-BE49-F238E27FC236}">
+                <a16:creationId xmlns:a16="http://schemas.microsoft.com/office/drawing/2014/main" id="{DBD3A15F-7765-4699-B498-92B15F75C958}"/>
+              </a:ext>
+            </a:extLst>
+          </p:cNvPr>
+          <p:cNvSpPr txBox="1"/>
+          <p:nvPr/>
+        </p:nvSpPr>
+        <p:spPr>
+          <a:xfrm>
+            <a:off x="0" y="446296"/>
+            <a:ext cx="4908884" cy="523220"/>
+          </a:xfrm>
+          <a:prstGeom prst="rect">
+            <a:avLst/>
+          </a:prstGeom>
+          <a:noFill/>
+        </p:spPr>
+        <p:txBody>
+          <a:bodyPr wrap="square" rtlCol="0">
+            <a:spAutoFit/>
+          </a:bodyPr>
+          <a:lstStyle/>
+          <a:p>
+            <a:r>
+              <a:rPr lang="en-US" altLang="ko-KR" sz="2800" spc="-150" dirty="0">
+                <a:solidFill>
+                  <a:schemeClr val="bg1"/>
+                </a:solidFill>
+                <a:latin typeface="+mn-ea"/>
+              </a:rPr>
+              <a:t>Current : </a:t>
+            </a:r>
+            <a:r>
+              <a:rPr lang="en-US" altLang="ko-KR" sz="2800" spc="-150" dirty="0" err="1">
+                <a:solidFill>
+                  <a:schemeClr val="bg1"/>
+                </a:solidFill>
+                <a:latin typeface="+mn-ea"/>
+              </a:rPr>
+              <a:t>FrontEnd</a:t>
+            </a:r>
+            <a:r>
+              <a:rPr lang="en-US" altLang="ko-KR" sz="2800" spc="-150" dirty="0">
+                <a:solidFill>
+                  <a:schemeClr val="bg1"/>
+                </a:solidFill>
+                <a:latin typeface="+mn-ea"/>
+              </a:rPr>
+              <a:t> &amp; </a:t>
+            </a:r>
+            <a:r>
+              <a:rPr lang="en-US" altLang="ko-KR" sz="2800" spc="-150" dirty="0" err="1">
+                <a:solidFill>
+                  <a:schemeClr val="bg1"/>
+                </a:solidFill>
+                <a:latin typeface="+mn-ea"/>
+              </a:rPr>
+              <a:t>BackEnd</a:t>
+            </a:r>
+            <a:endParaRPr lang="ko-KR" altLang="en-US" sz="2800" spc="-150" dirty="0">
+              <a:solidFill>
+                <a:schemeClr val="bg1"/>
+              </a:solidFill>
+              <a:latin typeface="+mn-ea"/>
+            </a:endParaRPr>
+          </a:p>
+        </p:txBody>
+      </p:sp>
+      <p:sp>
+        <p:nvSpPr>
+          <p:cNvPr id="25" name="직사각형 24">
+            <a:extLst>
+              <a:ext uri="{FF2B5EF4-FFF2-40B4-BE49-F238E27FC236}">
+                <a16:creationId xmlns:a16="http://schemas.microsoft.com/office/drawing/2014/main" id="{4F410BAE-E352-47FD-812C-F1FCB2741BFC}"/>
+              </a:ext>
+            </a:extLst>
+          </p:cNvPr>
+          <p:cNvSpPr/>
+          <p:nvPr/>
+        </p:nvSpPr>
+        <p:spPr>
+          <a:xfrm>
+            <a:off x="-2" y="1014871"/>
+            <a:ext cx="3176956" cy="145714"/>
+          </a:xfrm>
+          <a:prstGeom prst="rect">
+            <a:avLst/>
+          </a:prstGeom>
+          <a:solidFill>
+            <a:schemeClr val="bg1"/>
+          </a:solidFill>
+          <a:ln>
+            <a:noFill/>
+          </a:ln>
+        </p:spPr>
+        <p:style>
+          <a:lnRef idx="2">
+            <a:schemeClr val="accent1">
+              <a:shade val="50000"/>
+            </a:schemeClr>
+          </a:lnRef>
+          <a:fillRef idx="1">
+            <a:schemeClr val="accent1"/>
+          </a:fillRef>
+          <a:effectRef idx="0">
+            <a:schemeClr val="accent1"/>
+          </a:effectRef>
+          <a:fontRef idx="minor">
+            <a:schemeClr val="lt1"/>
+          </a:fontRef>
+        </p:style>
+        <p:txBody>
+          <a:bodyPr rtlCol="0" anchor="ctr"/>
+          <a:lstStyle/>
+          <a:p>
+            <a:pPr algn="ctr"/>
+            <a:endParaRPr lang="ko-KR" altLang="en-US"/>
+          </a:p>
+        </p:txBody>
+      </p:sp>
+      <p:pic>
+        <p:nvPicPr>
+          <p:cNvPr id="2050" name="Picture 2" descr="리액트 (React.JS) 앱 개발을 해야 하는 이유 - 리치부캐 startup">
+            <a:extLst>
+              <a:ext uri="{FF2B5EF4-FFF2-40B4-BE49-F238E27FC236}">
+                <a16:creationId xmlns:a16="http://schemas.microsoft.com/office/drawing/2014/main" id="{DCE2538A-9974-735D-E1EE-7CAECF6B7EBF}"/>
+              </a:ext>
+            </a:extLst>
+          </p:cNvPr>
+          <p:cNvPicPr>
+            <a:picLocks noChangeAspect="1" noChangeArrowheads="1"/>
+          </p:cNvPicPr>
+          <p:nvPr/>
+        </p:nvPicPr>
+        <p:blipFill>
+          <a:blip r:embed="rId5">
+            <a:extLst>
+              <a:ext uri="{28A0092B-C50C-407E-A947-70E740481C1C}">
+                <a14:useLocalDpi xmlns:a14="http://schemas.microsoft.com/office/drawing/2010/main" val="0"/>
+              </a:ext>
+            </a:extLst>
+          </a:blip>
+          <a:srcRect/>
+          <a:stretch>
+            <a:fillRect/>
+          </a:stretch>
+        </p:blipFill>
+        <p:spPr bwMode="auto">
+          <a:xfrm>
+            <a:off x="1041321" y="2390094"/>
+            <a:ext cx="3710377" cy="2077811"/>
+          </a:xfrm>
+          <a:prstGeom prst="rect">
+            <a:avLst/>
+          </a:prstGeom>
+          <a:noFill/>
+          <a:extLst>
+            <a:ext uri="{909E8E84-426E-40DD-AFC4-6F175D3DCCD1}">
+              <a14:hiddenFill xmlns:a14="http://schemas.microsoft.com/office/drawing/2010/main">
+                <a:solidFill>
+                  <a:srgbClr val="FFFFFF"/>
+                </a:solidFill>
+              </a14:hiddenFill>
+            </a:ext>
+          </a:extLst>
+        </p:spPr>
+      </p:pic>
+      <p:pic>
+        <p:nvPicPr>
+          <p:cNvPr id="2" name="Picture 4" descr="스파르타코딩클럽 4주차][python/flask] Flask 시작하기">
+            <a:extLst>
+              <a:ext uri="{FF2B5EF4-FFF2-40B4-BE49-F238E27FC236}">
+                <a16:creationId xmlns:a16="http://schemas.microsoft.com/office/drawing/2014/main" id="{668139FB-AFD9-C8BE-1980-0B8B1D17BDCE}"/>
+              </a:ext>
+            </a:extLst>
+          </p:cNvPr>
+          <p:cNvPicPr>
+            <a:picLocks noChangeAspect="1" noChangeArrowheads="1"/>
+          </p:cNvPicPr>
+          <p:nvPr/>
+        </p:nvPicPr>
+        <p:blipFill>
+          <a:blip r:embed="rId6">
+            <a:extLst>
+              <a:ext uri="{28A0092B-C50C-407E-A947-70E740481C1C}">
+                <a14:useLocalDpi xmlns:a14="http://schemas.microsoft.com/office/drawing/2010/main" val="0"/>
+              </a:ext>
+            </a:extLst>
+          </a:blip>
+          <a:srcRect/>
+          <a:stretch>
+            <a:fillRect/>
+          </a:stretch>
+        </p:blipFill>
+        <p:spPr bwMode="auto">
+          <a:xfrm>
+            <a:off x="7683380" y="249498"/>
+            <a:ext cx="3990843" cy="2487251"/>
+          </a:xfrm>
+          <a:prstGeom prst="rect">
+            <a:avLst/>
+          </a:prstGeom>
+          <a:noFill/>
+          <a:extLst>
+            <a:ext uri="{909E8E84-426E-40DD-AFC4-6F175D3DCCD1}">
+              <a14:hiddenFill xmlns:a14="http://schemas.microsoft.com/office/drawing/2010/main">
+                <a:solidFill>
+                  <a:srgbClr val="FFFFFF"/>
+                </a:solidFill>
+              </a14:hiddenFill>
+            </a:ext>
+          </a:extLst>
+        </p:spPr>
+      </p:pic>
+      <p:pic>
+        <p:nvPicPr>
+          <p:cNvPr id="3" name="Picture 2" descr="Field Notes: Optimize your Java application for AWS Lambda with Quarkus |  AWS Architecture Blog">
+            <a:extLst>
+              <a:ext uri="{FF2B5EF4-FFF2-40B4-BE49-F238E27FC236}">
+                <a16:creationId xmlns:a16="http://schemas.microsoft.com/office/drawing/2014/main" id="{A17B4E40-79F6-3A82-EB3D-2BCE9C833D1D}"/>
+              </a:ext>
+            </a:extLst>
+          </p:cNvPr>
+          <p:cNvPicPr>
+            <a:picLocks noChangeAspect="1" noChangeArrowheads="1"/>
+          </p:cNvPicPr>
+          <p:nvPr/>
+        </p:nvPicPr>
+        <p:blipFill>
+          <a:blip r:embed="rId7">
+            <a:extLst>
+              <a:ext uri="{28A0092B-C50C-407E-A947-70E740481C1C}">
+                <a14:useLocalDpi xmlns:a14="http://schemas.microsoft.com/office/drawing/2010/main" val="0"/>
+              </a:ext>
+            </a:extLst>
+          </a:blip>
+          <a:srcRect/>
+          <a:stretch>
+            <a:fillRect/>
+          </a:stretch>
+        </p:blipFill>
+        <p:spPr bwMode="auto">
+          <a:xfrm>
+            <a:off x="8103759" y="3770136"/>
+            <a:ext cx="3453233" cy="2667792"/>
+          </a:xfrm>
+          <a:prstGeom prst="rect">
+            <a:avLst/>
+          </a:prstGeom>
+          <a:noFill/>
+          <a:extLst>
+            <a:ext uri="{909E8E84-426E-40DD-AFC4-6F175D3DCCD1}">
+              <a14:hiddenFill xmlns:a14="http://schemas.microsoft.com/office/drawing/2010/main">
+                <a:solidFill>
+                  <a:srgbClr val="FFFFFF"/>
+                </a:solidFill>
+              </a14:hiddenFill>
+            </a:ext>
+          </a:extLst>
+        </p:spPr>
+      </p:pic>
+      <p:cxnSp>
+        <p:nvCxnSpPr>
+          <p:cNvPr id="5" name="직선 화살표 연결선 4">
+            <a:extLst>
+              <a:ext uri="{FF2B5EF4-FFF2-40B4-BE49-F238E27FC236}">
+                <a16:creationId xmlns:a16="http://schemas.microsoft.com/office/drawing/2014/main" id="{C0A6B6DB-F167-C66A-D264-1F5953C0E3DB}"/>
+              </a:ext>
+            </a:extLst>
+          </p:cNvPr>
+          <p:cNvCxnSpPr>
+            <a:stCxn id="2" idx="2"/>
+          </p:cNvCxnSpPr>
+          <p:nvPr/>
+        </p:nvCxnSpPr>
+        <p:spPr>
+          <a:xfrm flipH="1">
+            <a:off x="9678801" y="2736749"/>
+            <a:ext cx="1" cy="1033387"/>
+          </a:xfrm>
+          <a:prstGeom prst="straightConnector1">
+            <a:avLst/>
+          </a:prstGeom>
+          <a:ln w="76200">
+            <a:tailEnd type="triangle"/>
+          </a:ln>
+        </p:spPr>
+        <p:style>
+          <a:lnRef idx="1">
+            <a:schemeClr val="accent1"/>
+          </a:lnRef>
+          <a:fillRef idx="0">
+            <a:schemeClr val="accent1"/>
+          </a:fillRef>
+          <a:effectRef idx="0">
+            <a:schemeClr val="accent1"/>
+          </a:effectRef>
+          <a:fontRef idx="minor">
+            <a:schemeClr val="tx1"/>
+          </a:fontRef>
+        </p:style>
+      </p:cxnSp>
+      <p:sp>
+        <p:nvSpPr>
+          <p:cNvPr id="6" name="TextBox 5">
+            <a:extLst>
+              <a:ext uri="{FF2B5EF4-FFF2-40B4-BE49-F238E27FC236}">
+                <a16:creationId xmlns:a16="http://schemas.microsoft.com/office/drawing/2014/main" id="{EB9209BB-D815-182B-5C7B-0B54F1AFA8C9}"/>
+              </a:ext>
+            </a:extLst>
+          </p:cNvPr>
+          <p:cNvSpPr txBox="1"/>
+          <p:nvPr/>
+        </p:nvSpPr>
+        <p:spPr>
+          <a:xfrm flipH="1">
+            <a:off x="9930893" y="2988218"/>
+            <a:ext cx="2439571" cy="375138"/>
+          </a:xfrm>
+          <a:prstGeom prst="rect">
+            <a:avLst/>
+          </a:prstGeom>
+          <a:noFill/>
+        </p:spPr>
+        <p:txBody>
+          <a:bodyPr wrap="square" rtlCol="0">
+            <a:spAutoFit/>
+          </a:bodyPr>
+          <a:lstStyle/>
+          <a:p>
+            <a:r>
+              <a:rPr lang="en-US" altLang="ko-KR" dirty="0"/>
+              <a:t>Flask Server Deploy</a:t>
+            </a:r>
+            <a:endParaRPr lang="ko-KR" altLang="en-US" dirty="0"/>
+          </a:p>
+        </p:txBody>
+      </p:sp>
+      <p:cxnSp>
+        <p:nvCxnSpPr>
+          <p:cNvPr id="8" name="직선 화살표 연결선 7">
+            <a:extLst>
+              <a:ext uri="{FF2B5EF4-FFF2-40B4-BE49-F238E27FC236}">
+                <a16:creationId xmlns:a16="http://schemas.microsoft.com/office/drawing/2014/main" id="{C9EFCE90-1E13-DA01-5908-476670DE7AEE}"/>
+              </a:ext>
+            </a:extLst>
+          </p:cNvPr>
+          <p:cNvCxnSpPr>
+            <a:cxnSpLocks/>
+            <a:stCxn id="3" idx="1"/>
+          </p:cNvCxnSpPr>
+          <p:nvPr/>
+        </p:nvCxnSpPr>
+        <p:spPr>
+          <a:xfrm flipH="1" flipV="1">
+            <a:off x="4751698" y="4121252"/>
+            <a:ext cx="3352061" cy="982780"/>
+          </a:xfrm>
+          <a:prstGeom prst="straightConnector1">
+            <a:avLst/>
+          </a:prstGeom>
+          <a:ln w="76200">
+            <a:tailEnd type="triangle"/>
+          </a:ln>
+        </p:spPr>
+        <p:style>
+          <a:lnRef idx="1">
+            <a:schemeClr val="accent1"/>
+          </a:lnRef>
+          <a:fillRef idx="0">
+            <a:schemeClr val="accent1"/>
+          </a:fillRef>
+          <a:effectRef idx="0">
+            <a:schemeClr val="accent1"/>
+          </a:effectRef>
+          <a:fontRef idx="minor">
+            <a:schemeClr val="tx1"/>
+          </a:fontRef>
+        </p:style>
+      </p:cxnSp>
+      <p:cxnSp>
+        <p:nvCxnSpPr>
+          <p:cNvPr id="11" name="직선 화살표 연결선 10">
+            <a:extLst>
+              <a:ext uri="{FF2B5EF4-FFF2-40B4-BE49-F238E27FC236}">
+                <a16:creationId xmlns:a16="http://schemas.microsoft.com/office/drawing/2014/main" id="{B261ED9F-32AF-37E4-4B15-6B1EB9279F8D}"/>
+              </a:ext>
+            </a:extLst>
+          </p:cNvPr>
+          <p:cNvCxnSpPr>
+            <a:cxnSpLocks/>
+          </p:cNvCxnSpPr>
+          <p:nvPr/>
+        </p:nvCxnSpPr>
+        <p:spPr>
+          <a:xfrm>
+            <a:off x="4908884" y="3583077"/>
+            <a:ext cx="3086254" cy="884828"/>
+          </a:xfrm>
+          <a:prstGeom prst="straightConnector1">
+            <a:avLst/>
+          </a:prstGeom>
+          <a:ln w="76200">
+            <a:tailEnd type="triangle"/>
+          </a:ln>
+        </p:spPr>
+        <p:style>
+          <a:lnRef idx="1">
+            <a:schemeClr val="accent1"/>
+          </a:lnRef>
+          <a:fillRef idx="0">
+            <a:schemeClr val="accent1"/>
+          </a:fillRef>
+          <a:effectRef idx="0">
+            <a:schemeClr val="accent1"/>
+          </a:effectRef>
+          <a:fontRef idx="minor">
+            <a:schemeClr val="tx1"/>
+          </a:fontRef>
+        </p:style>
+      </p:cxnSp>
+      <p:sp>
+        <p:nvSpPr>
+          <p:cNvPr id="14" name="TextBox 13">
+            <a:extLst>
+              <a:ext uri="{FF2B5EF4-FFF2-40B4-BE49-F238E27FC236}">
+                <a16:creationId xmlns:a16="http://schemas.microsoft.com/office/drawing/2014/main" id="{CE483C9F-96E4-BA80-2AC6-6451EF4C90B0}"/>
+              </a:ext>
+            </a:extLst>
+          </p:cNvPr>
+          <p:cNvSpPr txBox="1"/>
+          <p:nvPr/>
+        </p:nvSpPr>
+        <p:spPr>
+          <a:xfrm flipH="1">
+            <a:off x="1789524" y="4780866"/>
+            <a:ext cx="2572288" cy="646331"/>
+          </a:xfrm>
+          <a:prstGeom prst="rect">
+            <a:avLst/>
+          </a:prstGeom>
+          <a:noFill/>
+        </p:spPr>
+        <p:txBody>
+          <a:bodyPr wrap="square" rtlCol="0">
+            <a:spAutoFit/>
+          </a:bodyPr>
+          <a:lstStyle/>
+          <a:p>
+            <a:r>
+              <a:rPr lang="en-US" altLang="ko-KR" dirty="0"/>
+              <a:t>Developing </a:t>
+            </a:r>
+          </a:p>
+          <a:p>
+            <a:r>
+              <a:rPr lang="en-US" altLang="ko-KR" dirty="0"/>
+              <a:t>React Native based UI</a:t>
+            </a:r>
+            <a:endParaRPr lang="ko-KR" altLang="en-US" dirty="0"/>
+          </a:p>
+        </p:txBody>
+      </p:sp>
+    </p:spTree>
+    <p:extLst>
+      <p:ext uri="{BB962C8B-B14F-4D97-AF65-F5344CB8AC3E}">
+        <p14:creationId xmlns:p14="http://schemas.microsoft.com/office/powerpoint/2010/main" val="1231157422"/>
+      </p:ext>
+    </p:extLst>
+  </p:cSld>
+  <p:clrMapOvr>
+    <a:masterClrMapping/>
+  </p:clrMapOvr>
+  <mc:AlternateContent xmlns:mc="http://schemas.openxmlformats.org/markup-compatibility/2006" xmlns:p159="http://schemas.microsoft.com/office/powerpoint/2015/09/main">
+    <mc:Choice Requires="p159">
+      <p:transition xmlns:p14="http://schemas.microsoft.com/office/powerpoint/2010/main" spd="slow" p14:dur="2000">
+        <p159:morph option="byObject"/>
+      </p:transition>
+    </mc:Choice>
+    <mc:Fallback xmlns="">
+      <p:transition spd="slow">
+        <p:fade/>
+      </p:transition>
+    </mc:Fallback>
+  </mc:AlternateContent>
+</p:sld>
+</file>
+
+<file path=ppt/slides/slide8.xml><?xml version="1.0" encoding="utf-8"?>
 <p:sld xmlns:a="http://schemas.openxmlformats.org/drawingml/2006/main" xmlns:r="http://schemas.openxmlformats.org/officeDocument/2006/relationships" xmlns:p="http://schemas.openxmlformats.org/presentationml/2006/main">
   <p:cSld>
     <p:spTree>
